--- a/2 am/2 الأشطال و الصور/cours 8/عرض الدرس.pptx
+++ b/2 am/2 الأشطال و الصور/cours 8/عرض الدرس.pptx
@@ -205,7 +205,7 @@
           <a:p>
             <a:fld id="{04809ED0-CAD5-44E1-91E8-3616676F7223}" type="datetimeFigureOut">
               <a:rPr lang="fr-FR" smtClean="0"/>
-              <a:t>04/02/2025</a:t>
+              <a:t>08/02/2025</a:t>
             </a:fld>
             <a:endParaRPr lang="fr-FR"/>
           </a:p>
@@ -1024,7 +1024,7 @@
           <a:p>
             <a:fld id="{16B4F739-B7D4-4EFD-BF14-44542778AB9F}" type="datetimeFigureOut">
               <a:rPr lang="fr-FR" smtClean="0"/>
-              <a:t>04/02/2025</a:t>
+              <a:t>08/02/2025</a:t>
             </a:fld>
             <a:endParaRPr lang="fr-FR"/>
           </a:p>
@@ -1194,7 +1194,7 @@
           <a:p>
             <a:fld id="{16B4F739-B7D4-4EFD-BF14-44542778AB9F}" type="datetimeFigureOut">
               <a:rPr lang="fr-FR" smtClean="0"/>
-              <a:t>04/02/2025</a:t>
+              <a:t>08/02/2025</a:t>
             </a:fld>
             <a:endParaRPr lang="fr-FR"/>
           </a:p>
@@ -1374,7 +1374,7 @@
           <a:p>
             <a:fld id="{16B4F739-B7D4-4EFD-BF14-44542778AB9F}" type="datetimeFigureOut">
               <a:rPr lang="fr-FR" smtClean="0"/>
-              <a:t>04/02/2025</a:t>
+              <a:t>08/02/2025</a:t>
             </a:fld>
             <a:endParaRPr lang="fr-FR"/>
           </a:p>
@@ -1544,7 +1544,7 @@
           <a:p>
             <a:fld id="{16B4F739-B7D4-4EFD-BF14-44542778AB9F}" type="datetimeFigureOut">
               <a:rPr lang="fr-FR" smtClean="0"/>
-              <a:t>04/02/2025</a:t>
+              <a:t>08/02/2025</a:t>
             </a:fld>
             <a:endParaRPr lang="fr-FR"/>
           </a:p>
@@ -1790,7 +1790,7 @@
           <a:p>
             <a:fld id="{16B4F739-B7D4-4EFD-BF14-44542778AB9F}" type="datetimeFigureOut">
               <a:rPr lang="fr-FR" smtClean="0"/>
-              <a:t>04/02/2025</a:t>
+              <a:t>08/02/2025</a:t>
             </a:fld>
             <a:endParaRPr lang="fr-FR"/>
           </a:p>
@@ -2022,7 +2022,7 @@
           <a:p>
             <a:fld id="{16B4F739-B7D4-4EFD-BF14-44542778AB9F}" type="datetimeFigureOut">
               <a:rPr lang="fr-FR" smtClean="0"/>
-              <a:t>04/02/2025</a:t>
+              <a:t>08/02/2025</a:t>
             </a:fld>
             <a:endParaRPr lang="fr-FR"/>
           </a:p>
@@ -2389,7 +2389,7 @@
           <a:p>
             <a:fld id="{16B4F739-B7D4-4EFD-BF14-44542778AB9F}" type="datetimeFigureOut">
               <a:rPr lang="fr-FR" smtClean="0"/>
-              <a:t>04/02/2025</a:t>
+              <a:t>08/02/2025</a:t>
             </a:fld>
             <a:endParaRPr lang="fr-FR"/>
           </a:p>
@@ -2507,7 +2507,7 @@
           <a:p>
             <a:fld id="{16B4F739-B7D4-4EFD-BF14-44542778AB9F}" type="datetimeFigureOut">
               <a:rPr lang="fr-FR" smtClean="0"/>
-              <a:t>04/02/2025</a:t>
+              <a:t>08/02/2025</a:t>
             </a:fld>
             <a:endParaRPr lang="fr-FR"/>
           </a:p>
@@ -2602,7 +2602,7 @@
           <a:p>
             <a:fld id="{16B4F739-B7D4-4EFD-BF14-44542778AB9F}" type="datetimeFigureOut">
               <a:rPr lang="fr-FR" smtClean="0"/>
-              <a:t>04/02/2025</a:t>
+              <a:t>08/02/2025</a:t>
             </a:fld>
             <a:endParaRPr lang="fr-FR"/>
           </a:p>
@@ -2879,7 +2879,7 @@
           <a:p>
             <a:fld id="{16B4F739-B7D4-4EFD-BF14-44542778AB9F}" type="datetimeFigureOut">
               <a:rPr lang="fr-FR" smtClean="0"/>
-              <a:t>04/02/2025</a:t>
+              <a:t>08/02/2025</a:t>
             </a:fld>
             <a:endParaRPr lang="fr-FR"/>
           </a:p>
@@ -3132,7 +3132,7 @@
           <a:p>
             <a:fld id="{16B4F739-B7D4-4EFD-BF14-44542778AB9F}" type="datetimeFigureOut">
               <a:rPr lang="fr-FR" smtClean="0"/>
-              <a:t>04/02/2025</a:t>
+              <a:t>08/02/2025</a:t>
             </a:fld>
             <a:endParaRPr lang="fr-FR"/>
           </a:p>
@@ -3375,7 +3375,7 @@
           <a:p>
             <a:fld id="{16B4F739-B7D4-4EFD-BF14-44542778AB9F}" type="datetimeFigureOut">
               <a:rPr lang="fr-FR" smtClean="0"/>
-              <a:t>04/02/2025</a:t>
+              <a:t>08/02/2025</a:t>
             </a:fld>
             <a:endParaRPr lang="fr-FR"/>
           </a:p>
@@ -6115,27 +6115,12 @@
         <a:gradFill flip="none" rotWithShape="1">
           <a:gsLst>
             <a:gs pos="0">
-              <a:schemeClr val="accent1">
-                <a:lumMod val="5000"/>
-                <a:lumOff val="95000"/>
-              </a:schemeClr>
+              <a:schemeClr val="bg1"/>
             </a:gs>
             <a:gs pos="100000">
               <a:schemeClr val="accent1">
-                <a:lumMod val="45000"/>
-                <a:lumOff val="55000"/>
-              </a:schemeClr>
-            </a:gs>
-            <a:gs pos="100000">
-              <a:schemeClr val="accent1">
-                <a:lumMod val="45000"/>
-                <a:lumOff val="55000"/>
-              </a:schemeClr>
-            </a:gs>
-            <a:gs pos="100000">
-              <a:schemeClr val="accent1">
-                <a:lumMod val="30000"/>
-                <a:lumOff val="70000"/>
+                <a:lumMod val="20000"/>
+                <a:lumOff val="80000"/>
               </a:schemeClr>
             </a:gs>
           </a:gsLst>
@@ -6971,27 +6956,12 @@
         <a:gradFill flip="none" rotWithShape="1">
           <a:gsLst>
             <a:gs pos="0">
-              <a:schemeClr val="accent1">
-                <a:lumMod val="5000"/>
-                <a:lumOff val="95000"/>
-              </a:schemeClr>
+              <a:schemeClr val="bg1"/>
             </a:gs>
             <a:gs pos="100000">
               <a:schemeClr val="accent1">
-                <a:lumMod val="45000"/>
-                <a:lumOff val="55000"/>
-              </a:schemeClr>
-            </a:gs>
-            <a:gs pos="100000">
-              <a:schemeClr val="accent1">
-                <a:lumMod val="45000"/>
-                <a:lumOff val="55000"/>
-              </a:schemeClr>
-            </a:gs>
-            <a:gs pos="100000">
-              <a:schemeClr val="accent1">
-                <a:lumMod val="30000"/>
-                <a:lumOff val="70000"/>
+                <a:lumMod val="20000"/>
+                <a:lumOff val="80000"/>
               </a:schemeClr>
             </a:gs>
           </a:gsLst>
@@ -7055,18 +7025,7 @@
                 <a:ea typeface="Times New Roman" panose="02020603050405020304" pitchFamily="18" charset="0"/>
                 <a:cs typeface="Times New Roman" panose="02020603050405020304" pitchFamily="18" charset="0"/>
               </a:rPr>
-              <a:t>فك التجميع</a:t>
-            </a:r>
-            <a:r>
-              <a:rPr lang="ar-DZ" sz="4400" b="1" u="sng" smtClean="0">
-                <a:solidFill>
-                  <a:srgbClr val="FF0000"/>
-                </a:solidFill>
-                <a:latin typeface="Calibri" panose="020F0502020204030204" pitchFamily="34" charset="0"/>
-                <a:ea typeface="Times New Roman" panose="02020603050405020304" pitchFamily="18" charset="0"/>
-                <a:cs typeface="Times New Roman" panose="02020603050405020304" pitchFamily="18" charset="0"/>
-              </a:rPr>
-              <a:t> </a:t>
+              <a:t>فك التجميع </a:t>
             </a:r>
             <a:r>
               <a:rPr lang="ar-SA" sz="4400" b="1" u="sng" dirty="0" smtClean="0">
@@ -7199,8 +7158,17 @@
             </a:r>
             <a:r>
               <a:rPr lang="ar-DZ" sz="4000" b="1" dirty="0"/>
-              <a:t>بالزر الأيمن للفأرة عليها </a:t>
-            </a:r>
+              <a:t>بالزر الأيمن </a:t>
+            </a:r>
+            <a:r>
+              <a:rPr lang="ar-DZ" sz="4000" b="1"/>
+              <a:t>للفأرة </a:t>
+            </a:r>
+            <a:r>
+              <a:rPr lang="ar-DZ" sz="4000" b="1" smtClean="0"/>
+              <a:t>عليه</a:t>
+            </a:r>
+            <a:endParaRPr lang="ar-DZ" sz="4000" b="1" dirty="0"/>
           </a:p>
           <a:p>
             <a:pPr marL="457200" indent="-457200" algn="r" rtl="1">

--- a/2 am/2 الأشطال و الصور/cours 8/عرض الدرس.pptx
+++ b/2 am/2 الأشطال و الصور/cours 8/عرض الدرس.pptx
@@ -205,7 +205,7 @@
           <a:p>
             <a:fld id="{04809ED0-CAD5-44E1-91E8-3616676F7223}" type="datetimeFigureOut">
               <a:rPr lang="fr-FR" smtClean="0"/>
-              <a:t>08/02/2025</a:t>
+              <a:t>10/02/2025</a:t>
             </a:fld>
             <a:endParaRPr lang="fr-FR"/>
           </a:p>
@@ -1024,7 +1024,7 @@
           <a:p>
             <a:fld id="{16B4F739-B7D4-4EFD-BF14-44542778AB9F}" type="datetimeFigureOut">
               <a:rPr lang="fr-FR" smtClean="0"/>
-              <a:t>08/02/2025</a:t>
+              <a:t>10/02/2025</a:t>
             </a:fld>
             <a:endParaRPr lang="fr-FR"/>
           </a:p>
@@ -1194,7 +1194,7 @@
           <a:p>
             <a:fld id="{16B4F739-B7D4-4EFD-BF14-44542778AB9F}" type="datetimeFigureOut">
               <a:rPr lang="fr-FR" smtClean="0"/>
-              <a:t>08/02/2025</a:t>
+              <a:t>10/02/2025</a:t>
             </a:fld>
             <a:endParaRPr lang="fr-FR"/>
           </a:p>
@@ -1374,7 +1374,7 @@
           <a:p>
             <a:fld id="{16B4F739-B7D4-4EFD-BF14-44542778AB9F}" type="datetimeFigureOut">
               <a:rPr lang="fr-FR" smtClean="0"/>
-              <a:t>08/02/2025</a:t>
+              <a:t>10/02/2025</a:t>
             </a:fld>
             <a:endParaRPr lang="fr-FR"/>
           </a:p>
@@ -1544,7 +1544,7 @@
           <a:p>
             <a:fld id="{16B4F739-B7D4-4EFD-BF14-44542778AB9F}" type="datetimeFigureOut">
               <a:rPr lang="fr-FR" smtClean="0"/>
-              <a:t>08/02/2025</a:t>
+              <a:t>10/02/2025</a:t>
             </a:fld>
             <a:endParaRPr lang="fr-FR"/>
           </a:p>
@@ -1790,7 +1790,7 @@
           <a:p>
             <a:fld id="{16B4F739-B7D4-4EFD-BF14-44542778AB9F}" type="datetimeFigureOut">
               <a:rPr lang="fr-FR" smtClean="0"/>
-              <a:t>08/02/2025</a:t>
+              <a:t>10/02/2025</a:t>
             </a:fld>
             <a:endParaRPr lang="fr-FR"/>
           </a:p>
@@ -2022,7 +2022,7 @@
           <a:p>
             <a:fld id="{16B4F739-B7D4-4EFD-BF14-44542778AB9F}" type="datetimeFigureOut">
               <a:rPr lang="fr-FR" smtClean="0"/>
-              <a:t>08/02/2025</a:t>
+              <a:t>10/02/2025</a:t>
             </a:fld>
             <a:endParaRPr lang="fr-FR"/>
           </a:p>
@@ -2389,7 +2389,7 @@
           <a:p>
             <a:fld id="{16B4F739-B7D4-4EFD-BF14-44542778AB9F}" type="datetimeFigureOut">
               <a:rPr lang="fr-FR" smtClean="0"/>
-              <a:t>08/02/2025</a:t>
+              <a:t>10/02/2025</a:t>
             </a:fld>
             <a:endParaRPr lang="fr-FR"/>
           </a:p>
@@ -2507,7 +2507,7 @@
           <a:p>
             <a:fld id="{16B4F739-B7D4-4EFD-BF14-44542778AB9F}" type="datetimeFigureOut">
               <a:rPr lang="fr-FR" smtClean="0"/>
-              <a:t>08/02/2025</a:t>
+              <a:t>10/02/2025</a:t>
             </a:fld>
             <a:endParaRPr lang="fr-FR"/>
           </a:p>
@@ -2602,7 +2602,7 @@
           <a:p>
             <a:fld id="{16B4F739-B7D4-4EFD-BF14-44542778AB9F}" type="datetimeFigureOut">
               <a:rPr lang="fr-FR" smtClean="0"/>
-              <a:t>08/02/2025</a:t>
+              <a:t>10/02/2025</a:t>
             </a:fld>
             <a:endParaRPr lang="fr-FR"/>
           </a:p>
@@ -2879,7 +2879,7 @@
           <a:p>
             <a:fld id="{16B4F739-B7D4-4EFD-BF14-44542778AB9F}" type="datetimeFigureOut">
               <a:rPr lang="fr-FR" smtClean="0"/>
-              <a:t>08/02/2025</a:t>
+              <a:t>10/02/2025</a:t>
             </a:fld>
             <a:endParaRPr lang="fr-FR"/>
           </a:p>
@@ -3132,7 +3132,7 @@
           <a:p>
             <a:fld id="{16B4F739-B7D4-4EFD-BF14-44542778AB9F}" type="datetimeFigureOut">
               <a:rPr lang="fr-FR" smtClean="0"/>
-              <a:t>08/02/2025</a:t>
+              <a:t>10/02/2025</a:t>
             </a:fld>
             <a:endParaRPr lang="fr-FR"/>
           </a:p>
@@ -3375,7 +3375,7 @@
           <a:p>
             <a:fld id="{16B4F739-B7D4-4EFD-BF14-44542778AB9F}" type="datetimeFigureOut">
               <a:rPr lang="fr-FR" smtClean="0"/>
-              <a:t>08/02/2025</a:t>
+              <a:t>10/02/2025</a:t>
             </a:fld>
             <a:endParaRPr lang="fr-FR"/>
           </a:p>
@@ -6386,7 +6386,7 @@
         <p:spPr>
           <a:xfrm>
             <a:off x="107638" y="2970469"/>
-            <a:ext cx="11780804" cy="1851789"/>
+            <a:ext cx="11780804" cy="1878335"/>
           </a:xfrm>
           <a:prstGeom prst="rect">
             <a:avLst/>
@@ -6398,15 +6398,15 @@
           </a:bodyPr>
           <a:lstStyle/>
           <a:p>
-            <a:pPr marL="457200" indent="-457200" algn="r" rtl="1">
+            <a:pPr marL="971550" lvl="1" indent="-514350" algn="r" rtl="1">
               <a:lnSpc>
                 <a:spcPct val="107000"/>
               </a:lnSpc>
               <a:spcAft>
                 <a:spcPts val="800"/>
               </a:spcAft>
-              <a:buFont typeface="Wingdings" panose="05000000000000000000" pitchFamily="2" charset="2"/>
-              <a:buChar char="§"/>
+              <a:buFont typeface="+mj-lt"/>
+              <a:buAutoNum type="arabicPeriod"/>
             </a:pPr>
             <a:r>
               <a:rPr lang="ar-DZ" sz="3200" b="1" dirty="0">
@@ -6422,15 +6422,15 @@
             </a:r>
           </a:p>
           <a:p>
-            <a:pPr marL="457200" lvl="0" indent="-457200" algn="r" rtl="1">
+            <a:pPr marL="971550" lvl="1" indent="-514350" algn="r" rtl="1">
               <a:lnSpc>
                 <a:spcPct val="107000"/>
               </a:lnSpc>
               <a:spcAft>
                 <a:spcPts val="800"/>
               </a:spcAft>
-              <a:buFont typeface="Wingdings" panose="05000000000000000000" pitchFamily="2" charset="2"/>
-              <a:buChar char="§"/>
+              <a:buFont typeface="+mj-lt"/>
+              <a:buAutoNum type="arabicPeriod"/>
             </a:pPr>
             <a:r>
               <a:rPr lang="ar-DZ" sz="3200" b="1" dirty="0">
@@ -6446,15 +6446,15 @@
             </a:r>
           </a:p>
           <a:p>
-            <a:pPr marL="457200" indent="-457200" algn="r" rtl="1">
+            <a:pPr marL="971550" lvl="1" indent="-514350" algn="r" rtl="1">
               <a:lnSpc>
                 <a:spcPct val="107000"/>
               </a:lnSpc>
               <a:spcAft>
                 <a:spcPts val="800"/>
               </a:spcAft>
-              <a:buFont typeface="Wingdings" panose="05000000000000000000" pitchFamily="2" charset="2"/>
-              <a:buChar char="§"/>
+              <a:buFont typeface="+mj-lt"/>
+              <a:buAutoNum type="arabicPeriod"/>
             </a:pPr>
             <a:r>
               <a:rPr lang="ar-DZ" sz="3200" b="1" dirty="0">
@@ -7134,9 +7134,9 @@
           </a:bodyPr>
           <a:lstStyle/>
           <a:p>
-            <a:pPr marL="457200" indent="-457200" algn="r" rtl="1">
-              <a:buFont typeface="Wingdings" panose="05000000000000000000" pitchFamily="2" charset="2"/>
-              <a:buChar char="§"/>
+            <a:pPr marL="1200150" lvl="1" indent="-742950" algn="r" rtl="1">
+              <a:buFont typeface="+mj-lt"/>
+              <a:buAutoNum type="arabicPeriod"/>
             </a:pPr>
             <a:r>
               <a:rPr lang="ar-DZ" sz="4000" b="1" dirty="0" smtClean="0"/>
@@ -7148,9 +7148,9 @@
             </a:r>
           </a:p>
           <a:p>
-            <a:pPr marL="457200" indent="-457200" algn="r" rtl="1">
-              <a:buFont typeface="Wingdings" panose="05000000000000000000" pitchFamily="2" charset="2"/>
-              <a:buChar char="§"/>
+            <a:pPr marL="1200150" lvl="1" indent="-742950" algn="r" rtl="1">
+              <a:buFont typeface="+mj-lt"/>
+              <a:buAutoNum type="arabicPeriod"/>
             </a:pPr>
             <a:r>
               <a:rPr lang="ar-DZ" sz="4000" b="1" dirty="0" smtClean="0"/>
@@ -7158,22 +7158,18 @@
             </a:r>
             <a:r>
               <a:rPr lang="ar-DZ" sz="4000" b="1" dirty="0"/>
-              <a:t>بالزر الأيمن </a:t>
-            </a:r>
-            <a:r>
-              <a:rPr lang="ar-DZ" sz="4000" b="1"/>
-              <a:t>للفأرة </a:t>
-            </a:r>
-            <a:r>
-              <a:rPr lang="ar-DZ" sz="4000" b="1" smtClean="0"/>
+              <a:t>بالزر الأيمن للفأرة </a:t>
+            </a:r>
+            <a:r>
+              <a:rPr lang="ar-DZ" sz="4000" b="1" dirty="0" smtClean="0"/>
               <a:t>عليه</a:t>
             </a:r>
             <a:endParaRPr lang="ar-DZ" sz="4000" b="1" dirty="0"/>
           </a:p>
           <a:p>
-            <a:pPr marL="457200" indent="-457200" algn="r" rtl="1">
-              <a:buFont typeface="Wingdings" panose="05000000000000000000" pitchFamily="2" charset="2"/>
-              <a:buChar char="§"/>
+            <a:pPr marL="1200150" lvl="1" indent="-742950" algn="r" rtl="1">
+              <a:buFont typeface="+mj-lt"/>
+              <a:buAutoNum type="arabicPeriod"/>
             </a:pPr>
             <a:r>
               <a:rPr lang="ar-DZ" sz="4000" b="1" dirty="0" smtClean="0"/>
